--- a/Ebook/ETL Pipeline.pptx
+++ b/Ebook/ETL Pipeline.pptx
@@ -6,6 +6,7 @@
   </p:sldMasterIdLst>
   <p:sldIdLst>
     <p:sldId id="256" r:id="rId2"/>
+    <p:sldId id="257" r:id="rId3"/>
   </p:sldIdLst>
   <p:sldSz cx="12192000" cy="6858000"/>
   <p:notesSz cx="6858000" cy="9144000"/>
@@ -259,7 +260,7 @@
           <a:p>
             <a:fld id="{6FD59694-BFE3-4DBC-BFB2-290B4D73C45D}" type="datetimeFigureOut">
               <a:rPr lang="en-US" smtClean="0"/>
-              <a:t>1/25/2025</a:t>
+              <a:t>1/29/2025</a:t>
             </a:fld>
             <a:endParaRPr lang="en-US"/>
           </a:p>
@@ -457,7 +458,7 @@
           <a:p>
             <a:fld id="{6FD59694-BFE3-4DBC-BFB2-290B4D73C45D}" type="datetimeFigureOut">
               <a:rPr lang="en-US" smtClean="0"/>
-              <a:t>1/25/2025</a:t>
+              <a:t>1/29/2025</a:t>
             </a:fld>
             <a:endParaRPr lang="en-US"/>
           </a:p>
@@ -665,7 +666,7 @@
           <a:p>
             <a:fld id="{6FD59694-BFE3-4DBC-BFB2-290B4D73C45D}" type="datetimeFigureOut">
               <a:rPr lang="en-US" smtClean="0"/>
-              <a:t>1/25/2025</a:t>
+              <a:t>1/29/2025</a:t>
             </a:fld>
             <a:endParaRPr lang="en-US"/>
           </a:p>
@@ -863,7 +864,7 @@
           <a:p>
             <a:fld id="{6FD59694-BFE3-4DBC-BFB2-290B4D73C45D}" type="datetimeFigureOut">
               <a:rPr lang="en-US" smtClean="0"/>
-              <a:t>1/25/2025</a:t>
+              <a:t>1/29/2025</a:t>
             </a:fld>
             <a:endParaRPr lang="en-US"/>
           </a:p>
@@ -1138,7 +1139,7 @@
           <a:p>
             <a:fld id="{6FD59694-BFE3-4DBC-BFB2-290B4D73C45D}" type="datetimeFigureOut">
               <a:rPr lang="en-US" smtClean="0"/>
-              <a:t>1/25/2025</a:t>
+              <a:t>1/29/2025</a:t>
             </a:fld>
             <a:endParaRPr lang="en-US"/>
           </a:p>
@@ -1403,7 +1404,7 @@
           <a:p>
             <a:fld id="{6FD59694-BFE3-4DBC-BFB2-290B4D73C45D}" type="datetimeFigureOut">
               <a:rPr lang="en-US" smtClean="0"/>
-              <a:t>1/25/2025</a:t>
+              <a:t>1/29/2025</a:t>
             </a:fld>
             <a:endParaRPr lang="en-US"/>
           </a:p>
@@ -1815,7 +1816,7 @@
           <a:p>
             <a:fld id="{6FD59694-BFE3-4DBC-BFB2-290B4D73C45D}" type="datetimeFigureOut">
               <a:rPr lang="en-US" smtClean="0"/>
-              <a:t>1/25/2025</a:t>
+              <a:t>1/29/2025</a:t>
             </a:fld>
             <a:endParaRPr lang="en-US"/>
           </a:p>
@@ -1956,7 +1957,7 @@
           <a:p>
             <a:fld id="{6FD59694-BFE3-4DBC-BFB2-290B4D73C45D}" type="datetimeFigureOut">
               <a:rPr lang="en-US" smtClean="0"/>
-              <a:t>1/25/2025</a:t>
+              <a:t>1/29/2025</a:t>
             </a:fld>
             <a:endParaRPr lang="en-US"/>
           </a:p>
@@ -2069,7 +2070,7 @@
           <a:p>
             <a:fld id="{6FD59694-BFE3-4DBC-BFB2-290B4D73C45D}" type="datetimeFigureOut">
               <a:rPr lang="en-US" smtClean="0"/>
-              <a:t>1/25/2025</a:t>
+              <a:t>1/29/2025</a:t>
             </a:fld>
             <a:endParaRPr lang="en-US"/>
           </a:p>
@@ -2380,7 +2381,7 @@
           <a:p>
             <a:fld id="{6FD59694-BFE3-4DBC-BFB2-290B4D73C45D}" type="datetimeFigureOut">
               <a:rPr lang="en-US" smtClean="0"/>
-              <a:t>1/25/2025</a:t>
+              <a:t>1/29/2025</a:t>
             </a:fld>
             <a:endParaRPr lang="en-US"/>
           </a:p>
@@ -2668,7 +2669,7 @@
           <a:p>
             <a:fld id="{6FD59694-BFE3-4DBC-BFB2-290B4D73C45D}" type="datetimeFigureOut">
               <a:rPr lang="en-US" smtClean="0"/>
-              <a:t>1/25/2025</a:t>
+              <a:t>1/29/2025</a:t>
             </a:fld>
             <a:endParaRPr lang="en-US"/>
           </a:p>
@@ -2930,7 +2931,7 @@
           <a:p>
             <a:fld id="{6FD59694-BFE3-4DBC-BFB2-290B4D73C45D}" type="datetimeFigureOut">
               <a:rPr lang="en-US" smtClean="0"/>
-              <a:t>1/25/2025</a:t>
+              <a:t>1/29/2025</a:t>
             </a:fld>
             <a:endParaRPr lang="en-US"/>
           </a:p>
@@ -4401,6 +4402,66 @@
 </p:sld>
 </file>
 
+<file path=ppt/slides/slide2.xml><?xml version="1.0" encoding="utf-8"?>
+<p:sld xmlns:a="http://schemas.openxmlformats.org/drawingml/2006/main" xmlns:r="http://schemas.openxmlformats.org/officeDocument/2006/relationships" xmlns:p="http://schemas.openxmlformats.org/presentationml/2006/main">
+  <p:cSld>
+    <p:spTree>
+      <p:nvGrpSpPr>
+        <p:cNvPr id="1" name=""/>
+        <p:cNvGrpSpPr/>
+        <p:nvPr/>
+      </p:nvGrpSpPr>
+      <p:grpSpPr>
+        <a:xfrm>
+          <a:off x="0" y="0"/>
+          <a:ext cx="0" cy="0"/>
+          <a:chOff x="0" y="0"/>
+          <a:chExt cx="0" cy="0"/>
+        </a:xfrm>
+      </p:grpSpPr>
+      <p:pic>
+        <p:nvPicPr>
+          <p:cNvPr id="3" name="Picture 2">
+            <a:extLst>
+              <a:ext uri="{FF2B5EF4-FFF2-40B4-BE49-F238E27FC236}">
+                <a16:creationId xmlns:a16="http://schemas.microsoft.com/office/drawing/2014/main" id="{04D6BE99-EC77-AE08-5C6B-2F548D2C5529}"/>
+              </a:ext>
+            </a:extLst>
+          </p:cNvPr>
+          <p:cNvPicPr>
+            <a:picLocks noChangeAspect="1"/>
+          </p:cNvPicPr>
+          <p:nvPr/>
+        </p:nvPicPr>
+        <p:blipFill>
+          <a:blip r:embed="rId2"/>
+          <a:stretch>
+            <a:fillRect/>
+          </a:stretch>
+        </p:blipFill>
+        <p:spPr>
+          <a:xfrm>
+            <a:off x="0" y="1673"/>
+            <a:ext cx="12192000" cy="6854653"/>
+          </a:xfrm>
+          <a:prstGeom prst="rect">
+            <a:avLst/>
+          </a:prstGeom>
+        </p:spPr>
+      </p:pic>
+    </p:spTree>
+    <p:extLst>
+      <p:ext uri="{BB962C8B-B14F-4D97-AF65-F5344CB8AC3E}">
+        <p14:creationId xmlns:p14="http://schemas.microsoft.com/office/powerpoint/2010/main" val="1580149897"/>
+      </p:ext>
+    </p:extLst>
+  </p:cSld>
+  <p:clrMapOvr>
+    <a:masterClrMapping/>
+  </p:clrMapOvr>
+</p:sld>
+</file>
+
 <file path=ppt/theme/theme1.xml><?xml version="1.0" encoding="utf-8"?>
 <a:theme xmlns:a="http://schemas.openxmlformats.org/drawingml/2006/main" name="Office Theme">
   <a:themeElements>

--- a/Ebook/ETL Pipeline.pptx
+++ b/Ebook/ETL Pipeline.pptx
@@ -3760,53 +3760,6 @@
           </a:p>
         </p:txBody>
       </p:sp>
-      <p:pic>
-        <p:nvPicPr>
-          <p:cNvPr id="1030" name="Picture 6" descr="Gramedia Logo">
-            <a:extLst>
-              <a:ext uri="{FF2B5EF4-FFF2-40B4-BE49-F238E27FC236}">
-                <a16:creationId xmlns:a16="http://schemas.microsoft.com/office/drawing/2014/main" id="{1FEAFCA6-CDE8-2E48-2D55-D10AA44A156C}"/>
-              </a:ext>
-            </a:extLst>
-          </p:cNvPr>
-          <p:cNvPicPr>
-            <a:picLocks noChangeAspect="1" noChangeArrowheads="1"/>
-          </p:cNvPicPr>
-          <p:nvPr/>
-        </p:nvPicPr>
-        <p:blipFill>
-          <a:blip r:embed="rId8">
-            <a:extLst>
-              <a:ext uri="{28A0092B-C50C-407E-A947-70E740481C1C}">
-                <a14:useLocalDpi xmlns:a14="http://schemas.microsoft.com/office/drawing/2010/main" val="0"/>
-              </a:ext>
-            </a:extLst>
-          </a:blip>
-          <a:srcRect/>
-          <a:stretch>
-            <a:fillRect/>
-          </a:stretch>
-        </p:blipFill>
-        <p:spPr bwMode="auto">
-          <a:xfrm>
-            <a:off x="3371625" y="3516533"/>
-            <a:ext cx="1795461" cy="392450"/>
-          </a:xfrm>
-          <a:prstGeom prst="rect">
-            <a:avLst/>
-          </a:prstGeom>
-          <a:noFill/>
-          <a:extLst>
-            <a:ext uri="{909E8E84-426E-40DD-AFC4-6F175D3DCCD1}">
-              <a14:hiddenFill xmlns:a14="http://schemas.microsoft.com/office/drawing/2010/main">
-                <a:solidFill>
-                  <a:srgbClr val="FFFFFF"/>
-                </a:solidFill>
-              </a14:hiddenFill>
-            </a:ext>
-          </a:extLst>
-        </p:spPr>
-      </p:pic>
       <p:sp>
         <p:nvSpPr>
           <p:cNvPr id="15" name="TextBox 14">
@@ -3863,10 +3816,10 @@
           <p:nvPr/>
         </p:nvPicPr>
         <p:blipFill>
-          <a:blip r:embed="rId9">
+          <a:blip r:embed="rId8">
             <a:extLst>
               <a:ext uri="{96DAC541-7B7A-43D3-8B79-37D633B846F1}">
-                <asvg:svgBlip xmlns:asvg="http://schemas.microsoft.com/office/drawing/2016/SVG/main" r:embed="rId10"/>
+                <asvg:svgBlip xmlns:asvg="http://schemas.microsoft.com/office/drawing/2016/SVG/main" r:embed="rId9"/>
               </a:ext>
             </a:extLst>
           </a:blip>
@@ -3940,10 +3893,10 @@
           <p:nvPr/>
         </p:nvPicPr>
         <p:blipFill>
-          <a:blip r:embed="rId9">
+          <a:blip r:embed="rId8">
             <a:extLst>
               <a:ext uri="{96DAC541-7B7A-43D3-8B79-37D633B846F1}">
-                <asvg:svgBlip xmlns:asvg="http://schemas.microsoft.com/office/drawing/2016/SVG/main" r:embed="rId10"/>
+                <asvg:svgBlip xmlns:asvg="http://schemas.microsoft.com/office/drawing/2016/SVG/main" r:embed="rId9"/>
               </a:ext>
             </a:extLst>
           </a:blip>
@@ -4017,7 +3970,7 @@
           <p:nvPr/>
         </p:nvPicPr>
         <p:blipFill rotWithShape="1">
-          <a:blip r:embed="rId11">
+          <a:blip r:embed="rId10">
             <a:extLst>
               <a:ext uri="{28A0092B-C50C-407E-A947-70E740481C1C}">
                 <a14:useLocalDpi xmlns:a14="http://schemas.microsoft.com/office/drawing/2010/main" val="0"/>
@@ -4062,11 +4015,11 @@
           <p:nvPr/>
         </p:nvPicPr>
         <p:blipFill>
-          <a:blip r:embed="rId12">
+          <a:blip r:embed="rId11">
             <a:extLst>
               <a:ext uri="{BEBA8EAE-BF5A-486C-A8C5-ECC9F3942E4B}">
                 <a14:imgProps xmlns:a14="http://schemas.microsoft.com/office/drawing/2010/main">
-                  <a14:imgLayer r:embed="rId13">
+                  <a14:imgLayer r:embed="rId12">
                     <a14:imgEffect>
                       <a14:backgroundRemoval t="10000" b="90000" l="10000" r="90000"/>
                     </a14:imgEffect>
@@ -4118,10 +4071,10 @@
           <p:nvPr/>
         </p:nvPicPr>
         <p:blipFill>
-          <a:blip r:embed="rId14">
+          <a:blip r:embed="rId13">
             <a:extLst>
               <a:ext uri="{96DAC541-7B7A-43D3-8B79-37D633B846F1}">
-                <asvg:svgBlip xmlns:asvg="http://schemas.microsoft.com/office/drawing/2016/SVG/main" r:embed="rId15"/>
+                <asvg:svgBlip xmlns:asvg="http://schemas.microsoft.com/office/drawing/2016/SVG/main" r:embed="rId14"/>
               </a:ext>
             </a:extLst>
           </a:blip>
@@ -4154,10 +4107,10 @@
           <p:nvPr/>
         </p:nvPicPr>
         <p:blipFill>
-          <a:blip r:embed="rId16">
+          <a:blip r:embed="rId15">
             <a:extLst>
               <a:ext uri="{96DAC541-7B7A-43D3-8B79-37D633B846F1}">
-                <asvg:svgBlip xmlns:asvg="http://schemas.microsoft.com/office/drawing/2016/SVG/main" r:embed="rId17"/>
+                <asvg:svgBlip xmlns:asvg="http://schemas.microsoft.com/office/drawing/2016/SVG/main" r:embed="rId16"/>
               </a:ext>
             </a:extLst>
           </a:blip>
@@ -4357,7 +4310,7 @@
           <p:nvPr/>
         </p:nvPicPr>
         <p:blipFill>
-          <a:blip r:embed="rId18">
+          <a:blip r:embed="rId17">
             <a:extLst>
               <a:ext uri="{28A0092B-C50C-407E-A947-70E740481C1C}">
                 <a14:useLocalDpi xmlns:a14="http://schemas.microsoft.com/office/drawing/2010/main" val="0"/>
@@ -4373,6 +4326,53 @@
           <a:xfrm>
             <a:off x="7429272" y="2837316"/>
             <a:ext cx="2628369" cy="1206464"/>
+          </a:xfrm>
+          <a:prstGeom prst="rect">
+            <a:avLst/>
+          </a:prstGeom>
+          <a:noFill/>
+          <a:extLst>
+            <a:ext uri="{909E8E84-426E-40DD-AFC4-6F175D3DCCD1}">
+              <a14:hiddenFill xmlns:a14="http://schemas.microsoft.com/office/drawing/2010/main">
+                <a:solidFill>
+                  <a:srgbClr val="FFFFFF"/>
+                </a:solidFill>
+              </a14:hiddenFill>
+            </a:ext>
+          </a:extLst>
+        </p:spPr>
+      </p:pic>
+      <p:pic>
+        <p:nvPicPr>
+          <p:cNvPr id="3" name="Picture 2">
+            <a:extLst>
+              <a:ext uri="{FF2B5EF4-FFF2-40B4-BE49-F238E27FC236}">
+                <a16:creationId xmlns:a16="http://schemas.microsoft.com/office/drawing/2014/main" id="{0A06AACB-2318-CBE5-07B6-901393B80459}"/>
+              </a:ext>
+            </a:extLst>
+          </p:cNvPr>
+          <p:cNvPicPr>
+            <a:picLocks noChangeAspect="1" noChangeArrowheads="1"/>
+          </p:cNvPicPr>
+          <p:nvPr/>
+        </p:nvPicPr>
+        <p:blipFill>
+          <a:blip r:embed="rId18">
+            <a:extLst>
+              <a:ext uri="{28A0092B-C50C-407E-A947-70E740481C1C}">
+                <a14:useLocalDpi xmlns:a14="http://schemas.microsoft.com/office/drawing/2010/main" val="0"/>
+              </a:ext>
+            </a:extLst>
+          </a:blip>
+          <a:srcRect/>
+          <a:stretch>
+            <a:fillRect/>
+          </a:stretch>
+        </p:blipFill>
+        <p:spPr bwMode="auto">
+          <a:xfrm>
+            <a:off x="3338504" y="2311140"/>
+            <a:ext cx="1828800" cy="1828800"/>
           </a:xfrm>
           <a:prstGeom prst="rect">
             <a:avLst/>
